--- a/slides/13_RBT-Insert.pptx
+++ b/slides/13_RBT-Insert.pptx
@@ -278,6 +278,12 @@
     </p:ext>
   </p:extLst>
 </p:presentation>
+</file>
+
+<file path=ppt/authors.xml><?xml version="1.0" encoding="utf-8"?>
+<p188:authorLst xmlns:a="http://schemas.openxmlformats.org/drawingml/2006/main" xmlns:r="http://schemas.openxmlformats.org/officeDocument/2006/relationships" xmlns:p188="http://schemas.microsoft.com/office/powerpoint/2018/8/main">
+  <p188:author id="{085097F4-1F1B-865D-F34F-EF354B8C1D47}" name="pariya" initials="p" userId="ad514e9506d39b4c" providerId="Windows Live"/>
+</p188:authorLst>
 </file>
 
 <file path=ppt/notesMasters/notesMaster1.xml><?xml version="1.0" encoding="utf-8"?>
@@ -6095,27 +6101,49 @@
           <a:p>
             <a:r>
               <a:rPr lang="en-US" dirty="0"/>
-              <a:t>There can be six cases in the case of violation of the property 4.</a:t>
-            </a:r>
-          </a:p>
-          <a:p>
+              <a:t>There can be six cases if the 4</a:t>
+            </a:r>
+            <a:r>
+              <a:rPr lang="en-US" baseline="30000" dirty="0"/>
+              <a:t>th</a:t>
+            </a:r>
             <a:r>
               <a:rPr lang="en-US" dirty="0"/>
-              <a:t>assuming that the parent of the node z (AKA the new node) is a left child of its parent which gives us the first three cases.</a:t>
+              <a:t> property was violated.</a:t>
             </a:r>
           </a:p>
           <a:p>
             <a:r>
               <a:rPr lang="en-US" dirty="0"/>
-              <a:t>The other three cases will be </a:t>
+              <a:t>Case 1, 2, 3:</a:t>
+            </a:r>
+          </a:p>
+          <a:p>
+            <a:pPr lvl="1"/>
+            <a:r>
+              <a:rPr lang="en-US" dirty="0"/>
+              <a:t>the parent of node z (AKA the new node) is a left child of its parent. </a:t>
+            </a:r>
+          </a:p>
+          <a:p>
+            <a:r>
+              <a:rPr lang="en-US" dirty="0"/>
+              <a:t>Case 4, 5, 6:</a:t>
+            </a:r>
+          </a:p>
+          <a:p>
+            <a:pPr lvl="1"/>
+            <a:r>
+              <a:rPr lang="en-US" dirty="0"/>
+              <a:t>the parent of node z is a right child of its parent. (</a:t>
             </a:r>
             <a:r>
               <a:rPr lang="en-US" u="sng" dirty="0"/>
-              <a:t>symmetric</a:t>
+              <a:t>Symmetric</a:t>
             </a:r>
             <a:r>
               <a:rPr lang="en-US" dirty="0"/>
-              <a:t> when the node z will be the right child of its parent.</a:t>
+              <a:t> to previous cases)</a:t>
             </a:r>
           </a:p>
         </p:txBody>
@@ -6495,7 +6523,7 @@
           <a:p>
             <a:r>
               <a:rPr lang="en-US" dirty="0"/>
-              <a:t>Otherwise, if it reaches to the root, we can just color it </a:t>
+              <a:t>Otherwise, if it reaches the root, we can just color it </a:t>
             </a:r>
             <a:r>
               <a:rPr lang="en-US" b="1" dirty="0"/>
@@ -6875,7 +6903,7 @@
           <a:p>
             <a:r>
               <a:rPr lang="en-US" dirty="0"/>
-              <a:t>the process is to make both the </a:t>
+              <a:t>To solve this violation we set the color of both the </a:t>
             </a:r>
             <a:r>
               <a:rPr lang="en-US" u="sng" dirty="0"/>
@@ -6899,15 +6927,7 @@
             </a:r>
             <a:r>
               <a:rPr lang="en-US" dirty="0"/>
-              <a:t> and its grandparent red. In this way, the </a:t>
-            </a:r>
-            <a:r>
-              <a:rPr lang="en-US" b="1" dirty="0"/>
-              <a:t>black</a:t>
-            </a:r>
-            <a:r>
-              <a:rPr lang="en-US" dirty="0"/>
-              <a:t> height of any node won't be affected and we can successfully shift the </a:t>
+              <a:t> and its grandparent </a:t>
             </a:r>
             <a:r>
               <a:rPr lang="en-US" b="1" dirty="0">
@@ -6919,13 +6939,33 @@
             </a:r>
             <a:r>
               <a:rPr lang="en-US" dirty="0"/>
+              <a:t>. In this way, the </a:t>
+            </a:r>
+            <a:r>
+              <a:rPr lang="en-US" b="1" dirty="0"/>
+              <a:t>black</a:t>
+            </a:r>
+            <a:r>
+              <a:rPr lang="en-US" dirty="0"/>
+              <a:t> height of any node won't be affected and we can successfully shift the </a:t>
+            </a:r>
+            <a:r>
+              <a:rPr lang="en-US" b="1" dirty="0">
+                <a:solidFill>
+                  <a:srgbClr val="FF0000"/>
+                </a:solidFill>
+              </a:rPr>
+              <a:t>red</a:t>
+            </a:r>
+            <a:r>
+              <a:rPr lang="en-US" dirty="0"/>
               <a:t> color upward.</a:t>
             </a:r>
           </a:p>
           <a:p>
             <a:r>
               <a:rPr lang="en-US" dirty="0"/>
-              <a:t>However, making the grandparent of z </a:t>
+              <a:t>However, coloring the grandparent of z </a:t>
             </a:r>
             <a:r>
               <a:rPr lang="en-US" b="1" dirty="0">
@@ -8566,7 +8606,7 @@
 </file>
 
 <file path=ppt/slides/slide21.xml><?xml version="1.0" encoding="utf-8"?>
-<p:sld xmlns:a="http://schemas.openxmlformats.org/drawingml/2006/main" xmlns:r="http://schemas.openxmlformats.org/officeDocument/2006/relationships" xmlns:p="http://schemas.openxmlformats.org/presentationml/2006/main">
+<p:sld xmlns:a="http://schemas.openxmlformats.org/drawingml/2006/main" xmlns:r="http://schemas.openxmlformats.org/officeDocument/2006/relationships" xmlns:p="http://schemas.openxmlformats.org/presentationml/2006/main" show="0">
   <p:cSld>
     <p:spTree>
       <p:nvGrpSpPr>
@@ -16296,7 +16336,15 @@
             </a:r>
             <a:r>
               <a:rPr lang="en-US" dirty="0"/>
-              <a:t>. We just call a function at the last to fix any kind of </a:t>
+              <a:t>. We just call a function at</a:t>
+            </a:r>
+            <a:r>
+              <a:rPr lang="fa-IR" dirty="0"/>
+              <a:t> </a:t>
+            </a:r>
+            <a:r>
+              <a:rPr lang="en-US" dirty="0"/>
+              <a:t>last to fix any kind of </a:t>
             </a:r>
             <a:r>
               <a:rPr lang="en-US" u="sng" dirty="0"/>
@@ -16310,7 +16358,7 @@
           <a:p>
             <a:r>
               <a:rPr lang="en-US" dirty="0"/>
-              <a:t>We color any newly inserted node to </a:t>
+              <a:t>We set the color of any newly inserted node to </a:t>
             </a:r>
             <a:r>
               <a:rPr lang="en-US" b="1" dirty="0">
@@ -19597,27 +19645,39 @@
           <a:p>
             <a:r>
               <a:rPr lang="en-US" dirty="0"/>
-              <a:t>Since there can't be consecutive </a:t>
-            </a:r>
-            <a:r>
-              <a:rPr lang="en-US" b="1" dirty="0">
-                <a:solidFill>
-                  <a:srgbClr val="FF0000"/>
-                </a:solidFill>
-              </a:rPr>
-              <a:t>red</a:t>
+              <a:t>Why don’t we set the color of any new node to </a:t>
+            </a:r>
+            <a:r>
+              <a:rPr lang="en-US" b="1" dirty="0"/>
+              <a:t>black</a:t>
             </a:r>
             <a:r>
               <a:rPr lang="en-US" dirty="0"/>
-              <a:t> nodes, the changes that this violation could happen is </a:t>
-            </a:r>
-            <a:r>
-              <a:rPr lang="en-US" u="sng" dirty="0"/>
-              <a:t>half</a:t>
-            </a:r>
+              <a:t>?</a:t>
+            </a:r>
+            <a:endParaRPr lang="fa-IR" dirty="0"/>
+          </a:p>
+          <a:p>
+            <a:pPr marL="457200" lvl="1" indent="0">
+              <a:buNone/>
+            </a:pPr>
+            <a:endParaRPr lang="en-US" dirty="0"/>
+          </a:p>
+          <a:p>
+            <a:pPr marL="457200" lvl="1" indent="0">
+              <a:buNone/>
+            </a:pPr>
             <a:r>
               <a:rPr lang="en-US" dirty="0"/>
-              <a:t>. Also, fixing the violation of property 4 is easy. Think of a case when the newly inserted node is black. This would affect the </a:t>
+              <a:t>Think of a case when the newly inserted node is </a:t>
+            </a:r>
+            <a:r>
+              <a:rPr lang="en-US" b="1" dirty="0"/>
+              <a:t>black</a:t>
+            </a:r>
+            <a:r>
+              <a:rPr lang="en-US" dirty="0"/>
+              <a:t>. This would affect the </a:t>
             </a:r>
             <a:r>
               <a:rPr lang="en-US" u="sng" dirty="0"/>
@@ -19625,15 +19685,7 @@
             </a:r>
             <a:r>
               <a:rPr lang="en-US" dirty="0"/>
-              <a:t>and fixing that would be difficult. This is the reason why we don't color any new node to </a:t>
-            </a:r>
-            <a:r>
-              <a:rPr lang="en-US" b="1" dirty="0"/>
-              <a:t>black</a:t>
-            </a:r>
-            <a:r>
-              <a:rPr lang="en-US" dirty="0"/>
-              <a:t>.</a:t>
+              <a:t>and fixing that would be difficult. </a:t>
             </a:r>
           </a:p>
         </p:txBody>
@@ -20961,7 +21013,7 @@
 </file>
 
 <file path=ppt/slides/slide7.xml><?xml version="1.0" encoding="utf-8"?>
-<p:sld xmlns:a="http://schemas.openxmlformats.org/drawingml/2006/main" xmlns:r="http://schemas.openxmlformats.org/officeDocument/2006/relationships" xmlns:p="http://schemas.openxmlformats.org/presentationml/2006/main" show="0">
+<p:sld xmlns:a="http://schemas.openxmlformats.org/drawingml/2006/main" xmlns:r="http://schemas.openxmlformats.org/officeDocument/2006/relationships" xmlns:p="http://schemas.openxmlformats.org/presentationml/2006/main">
   <p:cSld>
     <p:spTree>
       <p:nvGrpSpPr>
@@ -21010,8 +21062,8 @@
           </a:p>
         </p:txBody>
       </p:sp>
-      <mc:AlternateContent xmlns:mc="http://schemas.openxmlformats.org/markup-compatibility/2006">
-        <mc:Choice xmlns:a14="http://schemas.microsoft.com/office/drawing/2010/main" Requires="a14">
+      <mc:AlternateContent xmlns:mc="http://schemas.openxmlformats.org/markup-compatibility/2006" xmlns:a14="http://schemas.microsoft.com/office/drawing/2010/main">
+        <mc:Choice Requires="a14">
           <p:sp>
             <p:nvSpPr>
               <p:cNvPr id="3" name="Content Placeholder 2">
@@ -21182,7 +21234,7 @@
                 </a:r>
                 <a:r>
                   <a:rPr lang="en-US" dirty="0"/>
-                  <a:t>. At last, we are calling the function to fix the violations of the </a:t>
+                  <a:t>. At last, we are calling the fixup function to fix the violations of the </a:t>
                 </a:r>
                 <a:r>
                   <a:rPr lang="en-US" b="1" dirty="0">
@@ -21204,13 +21256,13 @@
               <a:p>
                 <a:r>
                   <a:rPr lang="en-US" dirty="0"/>
-                  <a:t>Let's focus on the function to fix the violations.</a:t>
+                  <a:t>Let's focus on the function that fixes the violations.</a:t>
                 </a:r>
               </a:p>
             </p:txBody>
           </p:sp>
         </mc:Choice>
-        <mc:Fallback>
+        <mc:Fallback xmlns="">
           <p:sp>
             <p:nvSpPr>
               <p:cNvPr id="3" name="Content Placeholder 2">
@@ -21235,7 +21287,7 @@
               <a:blipFill>
                 <a:blip r:embed="rId2"/>
                 <a:stretch>
-                  <a:fillRect l="-1043" t="-2241" r="-1739"/>
+                  <a:fillRect l="-1043" t="-2241" r="-1623"/>
                 </a:stretch>
               </a:blipFill>
             </p:spPr>
@@ -21447,7 +21499,7 @@
           <a:p>
             <a:r>
               <a:rPr lang="en-US" dirty="0"/>
-              <a:t>In the case of violation of 4</a:t>
+              <a:t>If the 4</a:t>
             </a:r>
             <a:r>
               <a:rPr lang="en-US" baseline="30000" dirty="0"/>
@@ -21455,7 +21507,7 @@
             </a:r>
             <a:r>
               <a:rPr lang="en-US" dirty="0"/>
-              <a:t> property (when the parent of the new node is </a:t>
+              <a:t> property was violated(when the parent of the new node is </a:t>
             </a:r>
             <a:r>
               <a:rPr lang="en-US" b="1" dirty="0">
